--- a/系統分析＿第18組.pptx
+++ b/系統分析＿第18組.pptx
@@ -15232,6 +15232,118 @@
           </a:p>
         </p:txBody>
       </p:sp>
+      <p:sp>
+        <p:nvSpPr>
+          <p:cNvPr id="53" name="矩形 52">
+            <a:extLst>
+              <a:ext uri="{FF2B5EF4-FFF2-40B4-BE49-F238E27FC236}">
+                <a16:creationId xmlns:a16="http://schemas.microsoft.com/office/drawing/2014/main" id="{F3786F1D-F50A-7440-85A1-51C53A5D9FC7}"/>
+              </a:ext>
+            </a:extLst>
+          </p:cNvPr>
+          <p:cNvSpPr/>
+          <p:nvPr/>
+        </p:nvSpPr>
+        <p:spPr>
+          <a:xfrm>
+            <a:off x="3974331" y="3833536"/>
+            <a:ext cx="165022" cy="513622"/>
+          </a:xfrm>
+          <a:prstGeom prst="rect">
+            <a:avLst/>
+          </a:prstGeom>
+          <a:solidFill>
+            <a:schemeClr val="accent1"/>
+          </a:solidFill>
+          <a:ln w="15875">
+            <a:solidFill>
+              <a:schemeClr val="accent1">
+                <a:lumMod val="50000"/>
+              </a:schemeClr>
+            </a:solidFill>
+          </a:ln>
+        </p:spPr>
+        <p:style>
+          <a:lnRef idx="2">
+            <a:schemeClr val="accent1">
+              <a:shade val="50000"/>
+            </a:schemeClr>
+          </a:lnRef>
+          <a:fillRef idx="1">
+            <a:schemeClr val="accent1"/>
+          </a:fillRef>
+          <a:effectRef idx="0">
+            <a:schemeClr val="accent1"/>
+          </a:effectRef>
+          <a:fontRef idx="minor">
+            <a:schemeClr val="lt1"/>
+          </a:fontRef>
+        </p:style>
+        <p:txBody>
+          <a:bodyPr rtlCol="0" anchor="ctr"/>
+          <a:lstStyle/>
+          <a:p>
+            <a:pPr algn="ctr"/>
+            <a:endParaRPr kumimoji="1" lang="zh-TW" altLang="en-US"/>
+          </a:p>
+        </p:txBody>
+      </p:sp>
+      <p:sp>
+        <p:nvSpPr>
+          <p:cNvPr id="54" name="矩形 53">
+            <a:extLst>
+              <a:ext uri="{FF2B5EF4-FFF2-40B4-BE49-F238E27FC236}">
+                <a16:creationId xmlns:a16="http://schemas.microsoft.com/office/drawing/2014/main" id="{14BC06AB-6AC9-4041-BEEB-55C0D48C1C21}"/>
+              </a:ext>
+            </a:extLst>
+          </p:cNvPr>
+          <p:cNvSpPr/>
+          <p:nvPr/>
+        </p:nvSpPr>
+        <p:spPr>
+          <a:xfrm>
+            <a:off x="1060954" y="2510755"/>
+            <a:ext cx="165022" cy="543217"/>
+          </a:xfrm>
+          <a:prstGeom prst="rect">
+            <a:avLst/>
+          </a:prstGeom>
+          <a:solidFill>
+            <a:schemeClr val="accent1"/>
+          </a:solidFill>
+          <a:ln w="15875">
+            <a:solidFill>
+              <a:schemeClr val="accent1">
+                <a:lumMod val="50000"/>
+              </a:schemeClr>
+            </a:solidFill>
+          </a:ln>
+        </p:spPr>
+        <p:style>
+          <a:lnRef idx="2">
+            <a:schemeClr val="accent1">
+              <a:shade val="50000"/>
+            </a:schemeClr>
+          </a:lnRef>
+          <a:fillRef idx="1">
+            <a:schemeClr val="accent1"/>
+          </a:fillRef>
+          <a:effectRef idx="0">
+            <a:schemeClr val="accent1"/>
+          </a:effectRef>
+          <a:fontRef idx="minor">
+            <a:schemeClr val="lt1"/>
+          </a:fontRef>
+        </p:style>
+        <p:txBody>
+          <a:bodyPr rtlCol="0" anchor="ctr"/>
+          <a:lstStyle/>
+          <a:p>
+            <a:pPr algn="ctr"/>
+            <a:endParaRPr kumimoji="1" lang="zh-TW" altLang="en-US"/>
+          </a:p>
+        </p:txBody>
+      </p:sp>
     </p:spTree>
     <p:extLst>
       <p:ext uri="{BB962C8B-B14F-4D97-AF65-F5344CB8AC3E}">

--- a/系統分析＿第18組.pptx
+++ b/系統分析＿第18組.pptx
@@ -233,7 +233,7 @@
           <a:p>
             <a:fld id="{1367D56A-C7F4-4C76-A882-5BDCEC74F80B}" type="datetimeFigureOut">
               <a:rPr lang="zh-CN" altLang="en-US" smtClean="0"/>
-              <a:t>2019/1/2</a:t>
+              <a:t>2019/1/3</a:t>
             </a:fld>
             <a:endParaRPr lang="zh-CN" altLang="en-US"/>
           </a:p>
@@ -1721,7 +1721,7 @@
           <a:p>
             <a:fld id="{0DA88C9A-7811-4AA2-844E-962283B8D2E4}" type="datetimeFigureOut">
               <a:rPr lang="zh-CN" altLang="en-US" smtClean="0"/>
-              <a:t>2019/1/2</a:t>
+              <a:t>2019/1/3</a:t>
             </a:fld>
             <a:endParaRPr lang="zh-CN" altLang="en-US"/>
           </a:p>
@@ -1884,7 +1884,7 @@
           <a:p>
             <a:fld id="{0DA88C9A-7811-4AA2-844E-962283B8D2E4}" type="datetimeFigureOut">
               <a:rPr lang="zh-CN" altLang="en-US" smtClean="0"/>
-              <a:t>2019/1/2</a:t>
+              <a:t>2019/1/3</a:t>
             </a:fld>
             <a:endParaRPr lang="zh-CN" altLang="en-US"/>
           </a:p>
@@ -2057,7 +2057,7 @@
           <a:p>
             <a:fld id="{0DA88C9A-7811-4AA2-844E-962283B8D2E4}" type="datetimeFigureOut">
               <a:rPr lang="zh-CN" altLang="en-US" smtClean="0"/>
-              <a:t>2019/1/2</a:t>
+              <a:t>2019/1/3</a:t>
             </a:fld>
             <a:endParaRPr lang="zh-CN" altLang="en-US"/>
           </a:p>
@@ -2220,7 +2220,7 @@
           <a:p>
             <a:fld id="{0DA88C9A-7811-4AA2-844E-962283B8D2E4}" type="datetimeFigureOut">
               <a:rPr lang="zh-CN" altLang="en-US" smtClean="0"/>
-              <a:t>2019/1/2</a:t>
+              <a:t>2019/1/3</a:t>
             </a:fld>
             <a:endParaRPr lang="zh-CN" altLang="en-US"/>
           </a:p>
@@ -2460,7 +2460,7 @@
           <a:p>
             <a:fld id="{0DA88C9A-7811-4AA2-844E-962283B8D2E4}" type="datetimeFigureOut">
               <a:rPr lang="zh-CN" altLang="en-US" smtClean="0"/>
-              <a:t>2019/1/2</a:t>
+              <a:t>2019/1/3</a:t>
             </a:fld>
             <a:endParaRPr lang="zh-CN" altLang="en-US"/>
           </a:p>
@@ -2684,7 +2684,7 @@
           <a:p>
             <a:fld id="{0DA88C9A-7811-4AA2-844E-962283B8D2E4}" type="datetimeFigureOut">
               <a:rPr lang="zh-CN" altLang="en-US" smtClean="0"/>
-              <a:t>2019/1/2</a:t>
+              <a:t>2019/1/3</a:t>
             </a:fld>
             <a:endParaRPr lang="zh-CN" altLang="en-US"/>
           </a:p>
@@ -3043,7 +3043,7 @@
           <a:p>
             <a:fld id="{0DA88C9A-7811-4AA2-844E-962283B8D2E4}" type="datetimeFigureOut">
               <a:rPr lang="zh-CN" altLang="en-US" smtClean="0"/>
-              <a:t>2019/1/2</a:t>
+              <a:t>2019/1/3</a:t>
             </a:fld>
             <a:endParaRPr lang="zh-CN" altLang="en-US"/>
           </a:p>
@@ -3155,7 +3155,7 @@
           <a:p>
             <a:fld id="{0DA88C9A-7811-4AA2-844E-962283B8D2E4}" type="datetimeFigureOut">
               <a:rPr lang="zh-CN" altLang="en-US" smtClean="0"/>
-              <a:t>2019/1/2</a:t>
+              <a:t>2019/1/3</a:t>
             </a:fld>
             <a:endParaRPr lang="zh-CN" altLang="en-US"/>
           </a:p>
@@ -3245,7 +3245,7 @@
           <a:p>
             <a:fld id="{0DA88C9A-7811-4AA2-844E-962283B8D2E4}" type="datetimeFigureOut">
               <a:rPr lang="zh-CN" altLang="en-US" smtClean="0"/>
-              <a:t>2019/1/2</a:t>
+              <a:t>2019/1/3</a:t>
             </a:fld>
             <a:endParaRPr lang="zh-CN" altLang="en-US"/>
           </a:p>
@@ -3515,7 +3515,7 @@
           <a:p>
             <a:fld id="{0DA88C9A-7811-4AA2-844E-962283B8D2E4}" type="datetimeFigureOut">
               <a:rPr lang="zh-CN" altLang="en-US" smtClean="0"/>
-              <a:t>2019/1/2</a:t>
+              <a:t>2019/1/3</a:t>
             </a:fld>
             <a:endParaRPr lang="zh-CN" altLang="en-US"/>
           </a:p>
@@ -3762,7 +3762,7 @@
           <a:p>
             <a:fld id="{0DA88C9A-7811-4AA2-844E-962283B8D2E4}" type="datetimeFigureOut">
               <a:rPr lang="zh-CN" altLang="en-US" smtClean="0"/>
-              <a:t>2019/1/2</a:t>
+              <a:t>2019/1/3</a:t>
             </a:fld>
             <a:endParaRPr lang="zh-CN" altLang="en-US"/>
           </a:p>
@@ -3971,7 +3971,7 @@
           <a:p>
             <a:fld id="{0DA88C9A-7811-4AA2-844E-962283B8D2E4}" type="datetimeFigureOut">
               <a:rPr lang="zh-CN" altLang="en-US" smtClean="0"/>
-              <a:t>2019/1/2</a:t>
+              <a:t>2019/1/3</a:t>
             </a:fld>
             <a:endParaRPr lang="zh-CN" altLang="en-US"/>
           </a:p>
@@ -5672,7 +5672,7 @@
                   <a:schemeClr val="bg1"/>
                 </a:solidFill>
               </a:rPr>
-              <a:t>改裝搖控車並用自製</a:t>
+              <a:t>改裝遙控車並用自製</a:t>
             </a:r>
             <a:r>
               <a:rPr kumimoji="1" lang="en-US" altLang="zh-CN" sz="2000" dirty="0">
